--- a/OOP/Pre-lim/Week 4/Lecture/Abstraction and Interfaces.pptx
+++ b/OOP/Pre-lim/Week 4/Lecture/Abstraction and Interfaces.pptx
@@ -778,6 +778,1019 @@
     <p:extLst>
       <p:ext uri="{BB962C8B-B14F-4D97-AF65-F5344CB8AC3E}">
         <p14:creationId xmlns:p14="http://schemas.microsoft.com/office/powerpoint/2010/main" val="4021834318"/>
+      </p:ext>
+    </p:extLst>
+  </p:cSld>
+  <p:clrMapOvr>
+    <a:masterClrMapping/>
+  </p:clrMapOvr>
+</p:notes>
+</file>
+
+<file path=ppt/notesSlides/notesSlide2.xml><?xml version="1.0" encoding="utf-8"?>
+<p:notes xmlns:a="http://schemas.openxmlformats.org/drawingml/2006/main" xmlns:r="http://schemas.openxmlformats.org/officeDocument/2006/relationships" xmlns:p="http://schemas.openxmlformats.org/presentationml/2006/main">
+  <p:cSld>
+    <p:spTree>
+      <p:nvGrpSpPr>
+        <p:cNvPr id="1" name=""/>
+        <p:cNvGrpSpPr/>
+        <p:nvPr/>
+      </p:nvGrpSpPr>
+      <p:grpSpPr>
+        <a:xfrm>
+          <a:off x="0" y="0"/>
+          <a:ext cx="0" cy="0"/>
+          <a:chOff x="0" y="0"/>
+          <a:chExt cx="0" cy="0"/>
+        </a:xfrm>
+      </p:grpSpPr>
+      <p:sp>
+        <p:nvSpPr>
+          <p:cNvPr id="2" name="Slide Image Placeholder 1"/>
+          <p:cNvSpPr>
+            <a:spLocks noGrp="1" noRot="1" noChangeAspect="1"/>
+          </p:cNvSpPr>
+          <p:nvPr>
+            <p:ph type="sldImg"/>
+          </p:nvPr>
+        </p:nvSpPr>
+        <p:spPr/>
+      </p:sp>
+      <p:sp>
+        <p:nvSpPr>
+          <p:cNvPr id="3" name="Notes Placeholder 2"/>
+          <p:cNvSpPr>
+            <a:spLocks noGrp="1"/>
+          </p:cNvSpPr>
+          <p:nvPr>
+            <p:ph type="body" idx="1"/>
+          </p:nvPr>
+        </p:nvSpPr>
+        <p:spPr/>
+        <p:txBody>
+          <a:bodyPr/>
+          <a:lstStyle/>
+          <a:p>
+            <a:r>
+              <a:rPr lang="en-US" sz="1200" b="0" kern="1200" dirty="0">
+                <a:solidFill>
+                  <a:schemeClr val="tx1"/>
+                </a:solidFill>
+                <a:effectLst/>
+                <a:latin typeface="+mn-lt"/>
+                <a:ea typeface="+mn-ea"/>
+                <a:cs typeface="+mn-cs"/>
+              </a:rPr>
+              <a:t>&lt;?</a:t>
+            </a:r>
+            <a:r>
+              <a:rPr lang="en-US" sz="1200" b="0" kern="1200" dirty="0" err="1">
+                <a:solidFill>
+                  <a:schemeClr val="tx1"/>
+                </a:solidFill>
+                <a:effectLst/>
+                <a:latin typeface="+mn-lt"/>
+                <a:ea typeface="+mn-ea"/>
+                <a:cs typeface="+mn-cs"/>
+              </a:rPr>
+              <a:t>php</a:t>
+            </a:r>
+            <a:endParaRPr lang="en-US" sz="1200" b="0" kern="1200" dirty="0">
+              <a:solidFill>
+                <a:schemeClr val="tx1"/>
+              </a:solidFill>
+              <a:effectLst/>
+              <a:latin typeface="+mn-lt"/>
+              <a:ea typeface="+mn-ea"/>
+              <a:cs typeface="+mn-cs"/>
+            </a:endParaRPr>
+          </a:p>
+          <a:p>
+            <a:br>
+              <a:rPr lang="en-US" sz="1200" b="0" kern="1200" dirty="0">
+                <a:solidFill>
+                  <a:schemeClr val="tx1"/>
+                </a:solidFill>
+                <a:effectLst/>
+                <a:latin typeface="+mn-lt"/>
+                <a:ea typeface="+mn-ea"/>
+                <a:cs typeface="+mn-cs"/>
+              </a:rPr>
+            </a:br>
+            <a:r>
+              <a:rPr lang="en-US" sz="1200" b="0" kern="1200" dirty="0">
+                <a:solidFill>
+                  <a:schemeClr val="tx1"/>
+                </a:solidFill>
+                <a:effectLst/>
+                <a:latin typeface="+mn-lt"/>
+                <a:ea typeface="+mn-ea"/>
+                <a:cs typeface="+mn-cs"/>
+              </a:rPr>
+              <a:t>interface Notifier {</a:t>
+            </a:r>
+          </a:p>
+          <a:p>
+            <a:r>
+              <a:rPr lang="en-US" sz="1200" b="0" kern="1200" dirty="0">
+                <a:solidFill>
+                  <a:schemeClr val="tx1"/>
+                </a:solidFill>
+                <a:effectLst/>
+                <a:latin typeface="+mn-lt"/>
+                <a:ea typeface="+mn-ea"/>
+                <a:cs typeface="+mn-cs"/>
+              </a:rPr>
+              <a:t>    public function send($message);</a:t>
+            </a:r>
+          </a:p>
+          <a:p>
+            <a:r>
+              <a:rPr lang="en-US" sz="1200" b="0" kern="1200" dirty="0">
+                <a:solidFill>
+                  <a:schemeClr val="tx1"/>
+                </a:solidFill>
+                <a:effectLst/>
+                <a:latin typeface="+mn-lt"/>
+                <a:ea typeface="+mn-ea"/>
+                <a:cs typeface="+mn-cs"/>
+              </a:rPr>
+              <a:t>}</a:t>
+            </a:r>
+          </a:p>
+          <a:p>
+            <a:br>
+              <a:rPr lang="en-US" sz="1200" b="0" kern="1200" dirty="0">
+                <a:solidFill>
+                  <a:schemeClr val="tx1"/>
+                </a:solidFill>
+                <a:effectLst/>
+                <a:latin typeface="+mn-lt"/>
+                <a:ea typeface="+mn-ea"/>
+                <a:cs typeface="+mn-cs"/>
+              </a:rPr>
+            </a:br>
+            <a:r>
+              <a:rPr lang="en-US" sz="1200" b="0" kern="1200" dirty="0">
+                <a:solidFill>
+                  <a:schemeClr val="tx1"/>
+                </a:solidFill>
+                <a:effectLst/>
+                <a:latin typeface="+mn-lt"/>
+                <a:ea typeface="+mn-ea"/>
+                <a:cs typeface="+mn-cs"/>
+              </a:rPr>
+              <a:t>class </a:t>
+            </a:r>
+            <a:r>
+              <a:rPr lang="en-US" sz="1200" b="0" kern="1200" dirty="0" err="1">
+                <a:solidFill>
+                  <a:schemeClr val="tx1"/>
+                </a:solidFill>
+                <a:effectLst/>
+                <a:latin typeface="+mn-lt"/>
+                <a:ea typeface="+mn-ea"/>
+                <a:cs typeface="+mn-cs"/>
+              </a:rPr>
+              <a:t>EmailNotifier</a:t>
+            </a:r>
+            <a:r>
+              <a:rPr lang="en-US" sz="1200" b="0" kern="1200" dirty="0">
+                <a:solidFill>
+                  <a:schemeClr val="tx1"/>
+                </a:solidFill>
+                <a:effectLst/>
+                <a:latin typeface="+mn-lt"/>
+                <a:ea typeface="+mn-ea"/>
+                <a:cs typeface="+mn-cs"/>
+              </a:rPr>
+              <a:t> implements Notifier {</a:t>
+            </a:r>
+          </a:p>
+          <a:p>
+            <a:r>
+              <a:rPr lang="en-US" sz="1200" b="0" kern="1200" dirty="0">
+                <a:solidFill>
+                  <a:schemeClr val="tx1"/>
+                </a:solidFill>
+                <a:effectLst/>
+                <a:latin typeface="+mn-lt"/>
+                <a:ea typeface="+mn-ea"/>
+                <a:cs typeface="+mn-cs"/>
+              </a:rPr>
+              <a:t>    public function send($message) {</a:t>
+            </a:r>
+          </a:p>
+          <a:p>
+            <a:r>
+              <a:rPr lang="en-US" sz="1200" b="0" kern="1200" dirty="0">
+                <a:solidFill>
+                  <a:schemeClr val="tx1"/>
+                </a:solidFill>
+                <a:effectLst/>
+                <a:latin typeface="+mn-lt"/>
+                <a:ea typeface="+mn-ea"/>
+                <a:cs typeface="+mn-cs"/>
+              </a:rPr>
+              <a:t>        echo "Sending Email: $message\n";</a:t>
+            </a:r>
+          </a:p>
+          <a:p>
+            <a:r>
+              <a:rPr lang="en-US" sz="1200" b="0" kern="1200" dirty="0">
+                <a:solidFill>
+                  <a:schemeClr val="tx1"/>
+                </a:solidFill>
+                <a:effectLst/>
+                <a:latin typeface="+mn-lt"/>
+                <a:ea typeface="+mn-ea"/>
+                <a:cs typeface="+mn-cs"/>
+              </a:rPr>
+              <a:t>    }</a:t>
+            </a:r>
+          </a:p>
+          <a:p>
+            <a:r>
+              <a:rPr lang="en-US" sz="1200" b="0" kern="1200" dirty="0">
+                <a:solidFill>
+                  <a:schemeClr val="tx1"/>
+                </a:solidFill>
+                <a:effectLst/>
+                <a:latin typeface="+mn-lt"/>
+                <a:ea typeface="+mn-ea"/>
+                <a:cs typeface="+mn-cs"/>
+              </a:rPr>
+              <a:t>}</a:t>
+            </a:r>
+          </a:p>
+          <a:p>
+            <a:br>
+              <a:rPr lang="en-US" sz="1200" b="0" kern="1200" dirty="0">
+                <a:solidFill>
+                  <a:schemeClr val="tx1"/>
+                </a:solidFill>
+                <a:effectLst/>
+                <a:latin typeface="+mn-lt"/>
+                <a:ea typeface="+mn-ea"/>
+                <a:cs typeface="+mn-cs"/>
+              </a:rPr>
+            </a:br>
+            <a:r>
+              <a:rPr lang="en-US" sz="1200" b="0" kern="1200" dirty="0">
+                <a:solidFill>
+                  <a:schemeClr val="tx1"/>
+                </a:solidFill>
+                <a:effectLst/>
+                <a:latin typeface="+mn-lt"/>
+                <a:ea typeface="+mn-ea"/>
+                <a:cs typeface="+mn-cs"/>
+              </a:rPr>
+              <a:t>class </a:t>
+            </a:r>
+            <a:r>
+              <a:rPr lang="en-US" sz="1200" b="0" kern="1200" dirty="0" err="1">
+                <a:solidFill>
+                  <a:schemeClr val="tx1"/>
+                </a:solidFill>
+                <a:effectLst/>
+                <a:latin typeface="+mn-lt"/>
+                <a:ea typeface="+mn-ea"/>
+                <a:cs typeface="+mn-cs"/>
+              </a:rPr>
+              <a:t>SMSNotifier</a:t>
+            </a:r>
+            <a:r>
+              <a:rPr lang="en-US" sz="1200" b="0" kern="1200" dirty="0">
+                <a:solidFill>
+                  <a:schemeClr val="tx1"/>
+                </a:solidFill>
+                <a:effectLst/>
+                <a:latin typeface="+mn-lt"/>
+                <a:ea typeface="+mn-ea"/>
+                <a:cs typeface="+mn-cs"/>
+              </a:rPr>
+              <a:t> implements Notifier {</a:t>
+            </a:r>
+          </a:p>
+          <a:p>
+            <a:r>
+              <a:rPr lang="en-US" sz="1200" b="0" kern="1200" dirty="0">
+                <a:solidFill>
+                  <a:schemeClr val="tx1"/>
+                </a:solidFill>
+                <a:effectLst/>
+                <a:latin typeface="+mn-lt"/>
+                <a:ea typeface="+mn-ea"/>
+                <a:cs typeface="+mn-cs"/>
+              </a:rPr>
+              <a:t>    public function send($message) {</a:t>
+            </a:r>
+          </a:p>
+          <a:p>
+            <a:r>
+              <a:rPr lang="en-US" sz="1200" b="0" kern="1200" dirty="0">
+                <a:solidFill>
+                  <a:schemeClr val="tx1"/>
+                </a:solidFill>
+                <a:effectLst/>
+                <a:latin typeface="+mn-lt"/>
+                <a:ea typeface="+mn-ea"/>
+                <a:cs typeface="+mn-cs"/>
+              </a:rPr>
+              <a:t>        echo "Sending SMS: $message\n";</a:t>
+            </a:r>
+          </a:p>
+          <a:p>
+            <a:r>
+              <a:rPr lang="en-US" sz="1200" b="0" kern="1200" dirty="0">
+                <a:solidFill>
+                  <a:schemeClr val="tx1"/>
+                </a:solidFill>
+                <a:effectLst/>
+                <a:latin typeface="+mn-lt"/>
+                <a:ea typeface="+mn-ea"/>
+                <a:cs typeface="+mn-cs"/>
+              </a:rPr>
+              <a:t>    }</a:t>
+            </a:r>
+          </a:p>
+          <a:p>
+            <a:r>
+              <a:rPr lang="en-US" sz="1200" b="0" kern="1200" dirty="0">
+                <a:solidFill>
+                  <a:schemeClr val="tx1"/>
+                </a:solidFill>
+                <a:effectLst/>
+                <a:latin typeface="+mn-lt"/>
+                <a:ea typeface="+mn-ea"/>
+                <a:cs typeface="+mn-cs"/>
+              </a:rPr>
+              <a:t>}</a:t>
+            </a:r>
+          </a:p>
+          <a:p>
+            <a:br>
+              <a:rPr lang="en-US" sz="1200" b="0" kern="1200" dirty="0">
+                <a:solidFill>
+                  <a:schemeClr val="tx1"/>
+                </a:solidFill>
+                <a:effectLst/>
+                <a:latin typeface="+mn-lt"/>
+                <a:ea typeface="+mn-ea"/>
+                <a:cs typeface="+mn-cs"/>
+              </a:rPr>
+            </a:br>
+            <a:r>
+              <a:rPr lang="en-US" sz="1200" b="0" kern="1200" dirty="0">
+                <a:solidFill>
+                  <a:schemeClr val="tx1"/>
+                </a:solidFill>
+                <a:effectLst/>
+                <a:latin typeface="+mn-lt"/>
+                <a:ea typeface="+mn-ea"/>
+                <a:cs typeface="+mn-cs"/>
+              </a:rPr>
+              <a:t>class </a:t>
+            </a:r>
+            <a:r>
+              <a:rPr lang="en-US" sz="1200" b="0" kern="1200" dirty="0" err="1">
+                <a:solidFill>
+                  <a:schemeClr val="tx1"/>
+                </a:solidFill>
+                <a:effectLst/>
+                <a:latin typeface="+mn-lt"/>
+                <a:ea typeface="+mn-ea"/>
+                <a:cs typeface="+mn-cs"/>
+              </a:rPr>
+              <a:t>PushNotifier</a:t>
+            </a:r>
+            <a:r>
+              <a:rPr lang="en-US" sz="1200" b="0" kern="1200" dirty="0">
+                <a:solidFill>
+                  <a:schemeClr val="tx1"/>
+                </a:solidFill>
+                <a:effectLst/>
+                <a:latin typeface="+mn-lt"/>
+                <a:ea typeface="+mn-ea"/>
+                <a:cs typeface="+mn-cs"/>
+              </a:rPr>
+              <a:t> implements Notifier {</a:t>
+            </a:r>
+          </a:p>
+          <a:p>
+            <a:r>
+              <a:rPr lang="en-US" sz="1200" b="0" kern="1200" dirty="0">
+                <a:solidFill>
+                  <a:schemeClr val="tx1"/>
+                </a:solidFill>
+                <a:effectLst/>
+                <a:latin typeface="+mn-lt"/>
+                <a:ea typeface="+mn-ea"/>
+                <a:cs typeface="+mn-cs"/>
+              </a:rPr>
+              <a:t>    public function send($message) {</a:t>
+            </a:r>
+          </a:p>
+          <a:p>
+            <a:r>
+              <a:rPr lang="en-US" sz="1200" b="0" kern="1200" dirty="0">
+                <a:solidFill>
+                  <a:schemeClr val="tx1"/>
+                </a:solidFill>
+                <a:effectLst/>
+                <a:latin typeface="+mn-lt"/>
+                <a:ea typeface="+mn-ea"/>
+                <a:cs typeface="+mn-cs"/>
+              </a:rPr>
+              <a:t>        echo "Sending Push Notification: $message\n";</a:t>
+            </a:r>
+          </a:p>
+          <a:p>
+            <a:r>
+              <a:rPr lang="en-US" sz="1200" b="0" kern="1200" dirty="0">
+                <a:solidFill>
+                  <a:schemeClr val="tx1"/>
+                </a:solidFill>
+                <a:effectLst/>
+                <a:latin typeface="+mn-lt"/>
+                <a:ea typeface="+mn-ea"/>
+                <a:cs typeface="+mn-cs"/>
+              </a:rPr>
+              <a:t>    }</a:t>
+            </a:r>
+          </a:p>
+          <a:p>
+            <a:r>
+              <a:rPr lang="en-US" sz="1200" b="0" kern="1200" dirty="0">
+                <a:solidFill>
+                  <a:schemeClr val="tx1"/>
+                </a:solidFill>
+                <a:effectLst/>
+                <a:latin typeface="+mn-lt"/>
+                <a:ea typeface="+mn-ea"/>
+                <a:cs typeface="+mn-cs"/>
+              </a:rPr>
+              <a:t>}</a:t>
+            </a:r>
+          </a:p>
+          <a:p>
+            <a:br>
+              <a:rPr lang="en-US" sz="1200" b="0" kern="1200" dirty="0">
+                <a:solidFill>
+                  <a:schemeClr val="tx1"/>
+                </a:solidFill>
+                <a:effectLst/>
+                <a:latin typeface="+mn-lt"/>
+                <a:ea typeface="+mn-ea"/>
+                <a:cs typeface="+mn-cs"/>
+              </a:rPr>
+            </a:br>
+            <a:r>
+              <a:rPr lang="en-US" sz="1200" b="0" kern="1200" dirty="0">
+                <a:solidFill>
+                  <a:schemeClr val="tx1"/>
+                </a:solidFill>
+                <a:effectLst/>
+                <a:latin typeface="+mn-lt"/>
+                <a:ea typeface="+mn-ea"/>
+                <a:cs typeface="+mn-cs"/>
+              </a:rPr>
+              <a:t>function </a:t>
+            </a:r>
+            <a:r>
+              <a:rPr lang="en-US" sz="1200" b="0" kern="1200" dirty="0" err="1">
+                <a:solidFill>
+                  <a:schemeClr val="tx1"/>
+                </a:solidFill>
+                <a:effectLst/>
+                <a:latin typeface="+mn-lt"/>
+                <a:ea typeface="+mn-ea"/>
+                <a:cs typeface="+mn-cs"/>
+              </a:rPr>
+              <a:t>notifyUser</a:t>
+            </a:r>
+            <a:r>
+              <a:rPr lang="en-US" sz="1200" b="0" kern="1200" dirty="0">
+                <a:solidFill>
+                  <a:schemeClr val="tx1"/>
+                </a:solidFill>
+                <a:effectLst/>
+                <a:latin typeface="+mn-lt"/>
+                <a:ea typeface="+mn-ea"/>
+                <a:cs typeface="+mn-cs"/>
+              </a:rPr>
+              <a:t>(Notifier $notifier, $message) {</a:t>
+            </a:r>
+          </a:p>
+          <a:p>
+            <a:r>
+              <a:rPr lang="en-US" sz="1200" b="0" kern="1200" dirty="0">
+                <a:solidFill>
+                  <a:schemeClr val="tx1"/>
+                </a:solidFill>
+                <a:effectLst/>
+                <a:latin typeface="+mn-lt"/>
+                <a:ea typeface="+mn-ea"/>
+                <a:cs typeface="+mn-cs"/>
+              </a:rPr>
+              <a:t>    $notifier-&gt;send($message);</a:t>
+            </a:r>
+          </a:p>
+          <a:p>
+            <a:r>
+              <a:rPr lang="en-US" sz="1200" b="0" kern="1200" dirty="0">
+                <a:solidFill>
+                  <a:schemeClr val="tx1"/>
+                </a:solidFill>
+                <a:effectLst/>
+                <a:latin typeface="+mn-lt"/>
+                <a:ea typeface="+mn-ea"/>
+                <a:cs typeface="+mn-cs"/>
+              </a:rPr>
+              <a:t>}</a:t>
+            </a:r>
+          </a:p>
+          <a:p>
+            <a:br>
+              <a:rPr lang="en-US" sz="1200" b="0" kern="1200" dirty="0">
+                <a:solidFill>
+                  <a:schemeClr val="tx1"/>
+                </a:solidFill>
+                <a:effectLst/>
+                <a:latin typeface="+mn-lt"/>
+                <a:ea typeface="+mn-ea"/>
+                <a:cs typeface="+mn-cs"/>
+              </a:rPr>
+            </a:br>
+            <a:r>
+              <a:rPr lang="en-US" sz="1200" b="0" kern="1200" dirty="0">
+                <a:solidFill>
+                  <a:schemeClr val="tx1"/>
+                </a:solidFill>
+                <a:effectLst/>
+                <a:latin typeface="+mn-lt"/>
+                <a:ea typeface="+mn-ea"/>
+                <a:cs typeface="+mn-cs"/>
+              </a:rPr>
+              <a:t>$email = new </a:t>
+            </a:r>
+            <a:r>
+              <a:rPr lang="en-US" sz="1200" b="0" kern="1200" dirty="0" err="1">
+                <a:solidFill>
+                  <a:schemeClr val="tx1"/>
+                </a:solidFill>
+                <a:effectLst/>
+                <a:latin typeface="+mn-lt"/>
+                <a:ea typeface="+mn-ea"/>
+                <a:cs typeface="+mn-cs"/>
+              </a:rPr>
+              <a:t>EmailNotifier</a:t>
+            </a:r>
+            <a:r>
+              <a:rPr lang="en-US" sz="1200" b="0" kern="1200" dirty="0">
+                <a:solidFill>
+                  <a:schemeClr val="tx1"/>
+                </a:solidFill>
+                <a:effectLst/>
+                <a:latin typeface="+mn-lt"/>
+                <a:ea typeface="+mn-ea"/>
+                <a:cs typeface="+mn-cs"/>
+              </a:rPr>
+              <a:t>();</a:t>
+            </a:r>
+          </a:p>
+          <a:p>
+            <a:r>
+              <a:rPr lang="en-US" sz="1200" b="0" kern="1200" dirty="0">
+                <a:solidFill>
+                  <a:schemeClr val="tx1"/>
+                </a:solidFill>
+                <a:effectLst/>
+                <a:latin typeface="+mn-lt"/>
+                <a:ea typeface="+mn-ea"/>
+                <a:cs typeface="+mn-cs"/>
+              </a:rPr>
+              <a:t>$</a:t>
+            </a:r>
+            <a:r>
+              <a:rPr lang="en-US" sz="1200" b="0" kern="1200" dirty="0" err="1">
+                <a:solidFill>
+                  <a:schemeClr val="tx1"/>
+                </a:solidFill>
+                <a:effectLst/>
+                <a:latin typeface="+mn-lt"/>
+                <a:ea typeface="+mn-ea"/>
+                <a:cs typeface="+mn-cs"/>
+              </a:rPr>
+              <a:t>sms</a:t>
+            </a:r>
+            <a:r>
+              <a:rPr lang="en-US" sz="1200" b="0" kern="1200" dirty="0">
+                <a:solidFill>
+                  <a:schemeClr val="tx1"/>
+                </a:solidFill>
+                <a:effectLst/>
+                <a:latin typeface="+mn-lt"/>
+                <a:ea typeface="+mn-ea"/>
+                <a:cs typeface="+mn-cs"/>
+              </a:rPr>
+              <a:t> = new </a:t>
+            </a:r>
+            <a:r>
+              <a:rPr lang="en-US" sz="1200" b="0" kern="1200" dirty="0" err="1">
+                <a:solidFill>
+                  <a:schemeClr val="tx1"/>
+                </a:solidFill>
+                <a:effectLst/>
+                <a:latin typeface="+mn-lt"/>
+                <a:ea typeface="+mn-ea"/>
+                <a:cs typeface="+mn-cs"/>
+              </a:rPr>
+              <a:t>SMSNotifier</a:t>
+            </a:r>
+            <a:r>
+              <a:rPr lang="en-US" sz="1200" b="0" kern="1200" dirty="0">
+                <a:solidFill>
+                  <a:schemeClr val="tx1"/>
+                </a:solidFill>
+                <a:effectLst/>
+                <a:latin typeface="+mn-lt"/>
+                <a:ea typeface="+mn-ea"/>
+                <a:cs typeface="+mn-cs"/>
+              </a:rPr>
+              <a:t>();</a:t>
+            </a:r>
+          </a:p>
+          <a:p>
+            <a:r>
+              <a:rPr lang="en-US" sz="1200" b="0" kern="1200" dirty="0">
+                <a:solidFill>
+                  <a:schemeClr val="tx1"/>
+                </a:solidFill>
+                <a:effectLst/>
+                <a:latin typeface="+mn-lt"/>
+                <a:ea typeface="+mn-ea"/>
+                <a:cs typeface="+mn-cs"/>
+              </a:rPr>
+              <a:t>$push = new </a:t>
+            </a:r>
+            <a:r>
+              <a:rPr lang="en-US" sz="1200" b="0" kern="1200" dirty="0" err="1">
+                <a:solidFill>
+                  <a:schemeClr val="tx1"/>
+                </a:solidFill>
+                <a:effectLst/>
+                <a:latin typeface="+mn-lt"/>
+                <a:ea typeface="+mn-ea"/>
+                <a:cs typeface="+mn-cs"/>
+              </a:rPr>
+              <a:t>PushNotifier</a:t>
+            </a:r>
+            <a:r>
+              <a:rPr lang="en-US" sz="1200" b="0" kern="1200" dirty="0">
+                <a:solidFill>
+                  <a:schemeClr val="tx1"/>
+                </a:solidFill>
+                <a:effectLst/>
+                <a:latin typeface="+mn-lt"/>
+                <a:ea typeface="+mn-ea"/>
+                <a:cs typeface="+mn-cs"/>
+              </a:rPr>
+              <a:t>();</a:t>
+            </a:r>
+          </a:p>
+          <a:p>
+            <a:br>
+              <a:rPr lang="en-US" sz="1200" b="0" kern="1200" dirty="0">
+                <a:solidFill>
+                  <a:schemeClr val="tx1"/>
+                </a:solidFill>
+                <a:effectLst/>
+                <a:latin typeface="+mn-lt"/>
+                <a:ea typeface="+mn-ea"/>
+                <a:cs typeface="+mn-cs"/>
+              </a:rPr>
+            </a:br>
+            <a:r>
+              <a:rPr lang="en-US" sz="1200" b="0" kern="1200" dirty="0" err="1">
+                <a:solidFill>
+                  <a:schemeClr val="tx1"/>
+                </a:solidFill>
+                <a:effectLst/>
+                <a:latin typeface="+mn-lt"/>
+                <a:ea typeface="+mn-ea"/>
+                <a:cs typeface="+mn-cs"/>
+              </a:rPr>
+              <a:t>notifyUser</a:t>
+            </a:r>
+            <a:r>
+              <a:rPr lang="en-US" sz="1200" b="0" kern="1200" dirty="0">
+                <a:solidFill>
+                  <a:schemeClr val="tx1"/>
+                </a:solidFill>
+                <a:effectLst/>
+                <a:latin typeface="+mn-lt"/>
+                <a:ea typeface="+mn-ea"/>
+                <a:cs typeface="+mn-cs"/>
+              </a:rPr>
+              <a:t>($email, "Welcome!");</a:t>
+            </a:r>
+          </a:p>
+          <a:p>
+            <a:r>
+              <a:rPr lang="en-US" sz="1200" b="0" kern="1200" dirty="0" err="1">
+                <a:solidFill>
+                  <a:schemeClr val="tx1"/>
+                </a:solidFill>
+                <a:effectLst/>
+                <a:latin typeface="+mn-lt"/>
+                <a:ea typeface="+mn-ea"/>
+                <a:cs typeface="+mn-cs"/>
+              </a:rPr>
+              <a:t>notifyUser</a:t>
+            </a:r>
+            <a:r>
+              <a:rPr lang="en-US" sz="1200" b="0" kern="1200" dirty="0">
+                <a:solidFill>
+                  <a:schemeClr val="tx1"/>
+                </a:solidFill>
+                <a:effectLst/>
+                <a:latin typeface="+mn-lt"/>
+                <a:ea typeface="+mn-ea"/>
+                <a:cs typeface="+mn-cs"/>
+              </a:rPr>
+              <a:t>($</a:t>
+            </a:r>
+            <a:r>
+              <a:rPr lang="en-US" sz="1200" b="0" kern="1200" dirty="0" err="1">
+                <a:solidFill>
+                  <a:schemeClr val="tx1"/>
+                </a:solidFill>
+                <a:effectLst/>
+                <a:latin typeface="+mn-lt"/>
+                <a:ea typeface="+mn-ea"/>
+                <a:cs typeface="+mn-cs"/>
+              </a:rPr>
+              <a:t>sms</a:t>
+            </a:r>
+            <a:r>
+              <a:rPr lang="en-US" sz="1200" b="0" kern="1200" dirty="0">
+                <a:solidFill>
+                  <a:schemeClr val="tx1"/>
+                </a:solidFill>
+                <a:effectLst/>
+                <a:latin typeface="+mn-lt"/>
+                <a:ea typeface="+mn-ea"/>
+                <a:cs typeface="+mn-cs"/>
+              </a:rPr>
+              <a:t>, "Verification code: 1234");</a:t>
+            </a:r>
+          </a:p>
+          <a:p>
+            <a:r>
+              <a:rPr lang="en-US" sz="1200" b="0" kern="1200" dirty="0" err="1">
+                <a:solidFill>
+                  <a:schemeClr val="tx1"/>
+                </a:solidFill>
+                <a:effectLst/>
+                <a:latin typeface="+mn-lt"/>
+                <a:ea typeface="+mn-ea"/>
+                <a:cs typeface="+mn-cs"/>
+              </a:rPr>
+              <a:t>notifyUser</a:t>
+            </a:r>
+            <a:r>
+              <a:rPr lang="en-US" sz="1200" b="0" kern="1200" dirty="0">
+                <a:solidFill>
+                  <a:schemeClr val="tx1"/>
+                </a:solidFill>
+                <a:effectLst/>
+                <a:latin typeface="+mn-lt"/>
+                <a:ea typeface="+mn-ea"/>
+                <a:cs typeface="+mn-cs"/>
+              </a:rPr>
+              <a:t>($push, "New message received");</a:t>
+            </a:r>
+          </a:p>
+          <a:p>
+            <a:br>
+              <a:rPr lang="en-US" sz="1200" b="0" kern="1200" dirty="0">
+                <a:solidFill>
+                  <a:schemeClr val="tx1"/>
+                </a:solidFill>
+                <a:effectLst/>
+                <a:latin typeface="+mn-lt"/>
+                <a:ea typeface="+mn-ea"/>
+                <a:cs typeface="+mn-cs"/>
+              </a:rPr>
+            </a:br>
+            <a:br>
+              <a:rPr lang="en-US" sz="1200" b="0" kern="1200" dirty="0">
+                <a:solidFill>
+                  <a:schemeClr val="tx1"/>
+                </a:solidFill>
+                <a:effectLst/>
+                <a:latin typeface="+mn-lt"/>
+                <a:ea typeface="+mn-ea"/>
+                <a:cs typeface="+mn-cs"/>
+              </a:rPr>
+            </a:br>
+            <a:r>
+              <a:rPr lang="en-US" sz="1200" b="0" kern="1200" dirty="0">
+                <a:solidFill>
+                  <a:schemeClr val="tx1"/>
+                </a:solidFill>
+                <a:effectLst/>
+                <a:latin typeface="+mn-lt"/>
+                <a:ea typeface="+mn-ea"/>
+                <a:cs typeface="+mn-cs"/>
+              </a:rPr>
+              <a:t>?&gt;</a:t>
+            </a:r>
+          </a:p>
+          <a:p>
+            <a:endParaRPr lang="en-US" dirty="0"/>
+          </a:p>
+          <a:p>
+            <a:endParaRPr lang="en-US" dirty="0"/>
+          </a:p>
+          <a:p>
+            <a:endParaRPr lang="en-US" dirty="0"/>
+          </a:p>
+          <a:p>
+            <a:r>
+              <a:rPr lang="en-US" dirty="0"/>
+              <a:t>The Notifier interface </a:t>
+            </a:r>
+            <a:r>
+              <a:rPr lang="en-US" b="1" dirty="0"/>
+              <a:t>ensures all classes have a send() method</a:t>
+            </a:r>
+            <a:r>
+              <a:rPr lang="en-US" dirty="0"/>
+              <a:t>.</a:t>
+            </a:r>
+          </a:p>
+          <a:p>
+            <a:r>
+              <a:rPr lang="en-US" dirty="0"/>
+              <a:t>Each class (Email, SMS, Push) </a:t>
+            </a:r>
+            <a:r>
+              <a:rPr lang="en-US" b="1" dirty="0"/>
+              <a:t>implements the method differently</a:t>
+            </a:r>
+            <a:r>
+              <a:rPr lang="en-US" dirty="0"/>
+              <a:t>.</a:t>
+            </a:r>
+          </a:p>
+          <a:p>
+            <a:r>
+              <a:rPr lang="en-US" dirty="0"/>
+              <a:t>This allows us to use </a:t>
+            </a:r>
+            <a:r>
+              <a:rPr lang="en-US" b="1" dirty="0"/>
+              <a:t>one function</a:t>
+            </a:r>
+            <a:r>
+              <a:rPr lang="en-US" dirty="0"/>
+              <a:t> (</a:t>
+            </a:r>
+            <a:r>
+              <a:rPr lang="en-US" dirty="0" err="1"/>
+              <a:t>notifyUser</a:t>
+            </a:r>
+            <a:r>
+              <a:rPr lang="en-US" dirty="0"/>
+              <a:t>) for </a:t>
+            </a:r>
+            <a:r>
+              <a:rPr lang="en-US" b="1" dirty="0"/>
+              <a:t>different message types</a:t>
+            </a:r>
+            <a:r>
+              <a:rPr lang="en-US" dirty="0"/>
+              <a:t> — that’s polymorphism in action.</a:t>
+            </a:r>
+          </a:p>
+          <a:p>
+            <a:endParaRPr lang="en-US" dirty="0"/>
+          </a:p>
+        </p:txBody>
+      </p:sp>
+      <p:sp>
+        <p:nvSpPr>
+          <p:cNvPr id="4" name="Slide Number Placeholder 3"/>
+          <p:cNvSpPr>
+            <a:spLocks noGrp="1"/>
+          </p:cNvSpPr>
+          <p:nvPr>
+            <p:ph type="sldNum" sz="quarter" idx="5"/>
+          </p:nvPr>
+        </p:nvSpPr>
+        <p:spPr/>
+        <p:txBody>
+          <a:bodyPr/>
+          <a:lstStyle/>
+          <a:p>
+            <a:fld id="{C37D7554-D10C-4E29-B8E6-BB7111FA614F}" type="slidenum">
+              <a:rPr lang="en-US" smtClean="0"/>
+              <a:t>7</a:t>
+            </a:fld>
+            <a:endParaRPr lang="en-US" dirty="0"/>
+          </a:p>
+        </p:txBody>
+      </p:sp>
+    </p:spTree>
+    <p:extLst>
+      <p:ext uri="{BB962C8B-B14F-4D97-AF65-F5344CB8AC3E}">
+        <p14:creationId xmlns:p14="http://schemas.microsoft.com/office/powerpoint/2010/main" val="2372379892"/>
+      </p:ext>
+    </p:extLst>
+  </p:cSld>
+  <p:clrMapOvr>
+    <a:masterClrMapping/>
+  </p:clrMapOvr>
+</p:notes>
+</file>
+
+<file path=ppt/notesSlides/notesSlide3.xml><?xml version="1.0" encoding="utf-8"?>
+<p:notes xmlns:a="http://schemas.openxmlformats.org/drawingml/2006/main" xmlns:r="http://schemas.openxmlformats.org/officeDocument/2006/relationships" xmlns:p="http://schemas.openxmlformats.org/presentationml/2006/main">
+  <p:cSld>
+    <p:spTree>
+      <p:nvGrpSpPr>
+        <p:cNvPr id="1" name=""/>
+        <p:cNvGrpSpPr/>
+        <p:nvPr/>
+      </p:nvGrpSpPr>
+      <p:grpSpPr>
+        <a:xfrm>
+          <a:off x="0" y="0"/>
+          <a:ext cx="0" cy="0"/>
+          <a:chOff x="0" y="0"/>
+          <a:chExt cx="0" cy="0"/>
+        </a:xfrm>
+      </p:grpSpPr>
+      <p:sp>
+        <p:nvSpPr>
+          <p:cNvPr id="2" name="Slide Image Placeholder 1"/>
+          <p:cNvSpPr>
+            <a:spLocks noGrp="1" noRot="1" noChangeAspect="1"/>
+          </p:cNvSpPr>
+          <p:nvPr>
+            <p:ph type="sldImg"/>
+          </p:nvPr>
+        </p:nvSpPr>
+        <p:spPr/>
+      </p:sp>
+      <p:sp>
+        <p:nvSpPr>
+          <p:cNvPr id="3" name="Notes Placeholder 2"/>
+          <p:cNvSpPr>
+            <a:spLocks noGrp="1"/>
+          </p:cNvSpPr>
+          <p:nvPr>
+            <p:ph type="body" idx="1"/>
+          </p:nvPr>
+        </p:nvSpPr>
+        <p:spPr/>
+        <p:txBody>
+          <a:bodyPr/>
+          <a:lstStyle/>
+          <a:p>
+            <a:endParaRPr lang="en-US" dirty="0"/>
+          </a:p>
+        </p:txBody>
+      </p:sp>
+      <p:sp>
+        <p:nvSpPr>
+          <p:cNvPr id="4" name="Slide Number Placeholder 3"/>
+          <p:cNvSpPr>
+            <a:spLocks noGrp="1"/>
+          </p:cNvSpPr>
+          <p:nvPr>
+            <p:ph type="sldNum" sz="quarter" idx="5"/>
+          </p:nvPr>
+        </p:nvSpPr>
+        <p:spPr/>
+        <p:txBody>
+          <a:bodyPr/>
+          <a:lstStyle/>
+          <a:p>
+            <a:fld id="{C37D7554-D10C-4E29-B8E6-BB7111FA614F}" type="slidenum">
+              <a:rPr lang="en-US" smtClean="0"/>
+              <a:t>8</a:t>
+            </a:fld>
+            <a:endParaRPr lang="en-US" dirty="0"/>
+          </a:p>
+        </p:txBody>
+      </p:sp>
+    </p:spTree>
+    <p:extLst>
+      <p:ext uri="{BB962C8B-B14F-4D97-AF65-F5344CB8AC3E}">
+        <p14:creationId xmlns:p14="http://schemas.microsoft.com/office/powerpoint/2010/main" val="75754141"/>
       </p:ext>
     </p:extLst>
   </p:cSld>
@@ -7283,6 +8296,81 @@
               <a:t>7</a:t>
             </a:fld>
             <a:endParaRPr lang="en-US" dirty="0"/>
+          </a:p>
+        </p:txBody>
+      </p:sp>
+      <p:sp>
+        <p:nvSpPr>
+          <p:cNvPr id="5" name="TextBox 4">
+            <a:extLst>
+              <a:ext uri="{FF2B5EF4-FFF2-40B4-BE49-F238E27FC236}">
+                <a16:creationId xmlns:a16="http://schemas.microsoft.com/office/drawing/2014/main" id="{A62D2160-78AF-5008-1614-18122FEAAB5D}"/>
+              </a:ext>
+            </a:extLst>
+          </p:cNvPr>
+          <p:cNvSpPr txBox="1"/>
+          <p:nvPr/>
+        </p:nvSpPr>
+        <p:spPr>
+          <a:xfrm>
+            <a:off x="2205990" y="1931437"/>
+            <a:ext cx="6094476" cy="2308324"/>
+          </a:xfrm>
+          <a:prstGeom prst="rect">
+            <a:avLst/>
+          </a:prstGeom>
+          <a:noFill/>
+        </p:spPr>
+        <p:txBody>
+          <a:bodyPr wrap="square">
+            <a:spAutoFit/>
+          </a:bodyPr>
+          <a:lstStyle/>
+          <a:p>
+            <a:r>
+              <a:rPr lang="en-US" dirty="0"/>
+              <a:t>Scenario:</a:t>
+            </a:r>
+          </a:p>
+          <a:p>
+            <a:r>
+              <a:rPr lang="en-US" dirty="0"/>
+              <a:t>You’re creating a notification system with Email, SMS, and Push.</a:t>
+            </a:r>
+          </a:p>
+          <a:p>
+            <a:endParaRPr lang="en-US" dirty="0"/>
+          </a:p>
+          <a:p>
+            <a:r>
+              <a:rPr lang="en-US" dirty="0"/>
+              <a:t>Create an interface Notifier with send().</a:t>
+            </a:r>
+          </a:p>
+          <a:p>
+            <a:endParaRPr lang="en-US" dirty="0"/>
+          </a:p>
+          <a:p>
+            <a:r>
+              <a:rPr lang="en-US" dirty="0"/>
+              <a:t>Each class (</a:t>
+            </a:r>
+            <a:r>
+              <a:rPr lang="en-US" dirty="0" err="1"/>
+              <a:t>EmailNotifier</a:t>
+            </a:r>
+            <a:r>
+              <a:rPr lang="en-US" dirty="0"/>
+              <a:t>, </a:t>
+            </a:r>
+            <a:r>
+              <a:rPr lang="en-US" dirty="0" err="1"/>
+              <a:t>SMSNotifier</a:t>
+            </a:r>
+            <a:r>
+              <a:rPr lang="en-US" dirty="0"/>
+              <a:t>) implements Notifier.</a:t>
+            </a:r>
           </a:p>
         </p:txBody>
       </p:sp>
@@ -8501,15 +9589,6 @@
 </file>
 
 <file path=customXml/item1.xml><?xml version="1.0" encoding="utf-8"?>
-<?mso-contentType ?>
-<FormTemplates xmlns="http://schemas.microsoft.com/sharepoint/v3/contenttype/forms">
-  <Display>DocumentLibraryForm</Display>
-  <Edit>DocumentLibraryForm</Edit>
-  <New>DocumentLibraryForm</New>
-</FormTemplates>
-</file>
-
-<file path=customXml/item2.xml><?xml version="1.0" encoding="utf-8"?>
 <p:properties xmlns:p="http://schemas.microsoft.com/office/2006/metadata/properties" xmlns:xsi="http://www.w3.org/2001/XMLSchema-instance" xmlns:pc="http://schemas.microsoft.com/office/infopath/2007/PartnerControls">
   <documentManagement>
     <_ip_UnifiedCompliancePolicyUIAction xmlns="http://schemas.microsoft.com/sharepoint/v3" xsi:nil="true"/>
@@ -8527,6 +9606,15 @@
     <MediaServiceKeyPoints xmlns="71af3243-3dd4-4a8d-8c0d-dd76da1f02a5" xsi:nil="true"/>
   </documentManagement>
 </p:properties>
+</file>
+
+<file path=customXml/item2.xml><?xml version="1.0" encoding="utf-8"?>
+<?mso-contentType ?>
+<FormTemplates xmlns="http://schemas.microsoft.com/sharepoint/v3/contenttype/forms">
+  <Display>DocumentLibraryForm</Display>
+  <Edit>DocumentLibraryForm</Edit>
+  <New>DocumentLibraryForm</New>
+</FormTemplates>
 </file>
 
 <file path=customXml/item3.xml><?xml version="1.0" encoding="utf-8"?>
@@ -8842,14 +9930,6 @@
 </file>
 
 <file path=customXml/itemProps1.xml><?xml version="1.0" encoding="utf-8"?>
-<ds:datastoreItem xmlns:ds="http://schemas.openxmlformats.org/officeDocument/2006/customXml" ds:itemID="{6DE3707C-8CAB-4302-B7E1-D32E1543E05C}">
-  <ds:schemaRefs>
-    <ds:schemaRef ds:uri="http://schemas.microsoft.com/sharepoint/v3/contenttype/forms"/>
-  </ds:schemaRefs>
-</ds:datastoreItem>
-</file>
-
-<file path=customXml/itemProps2.xml><?xml version="1.0" encoding="utf-8"?>
 <ds:datastoreItem xmlns:ds="http://schemas.openxmlformats.org/officeDocument/2006/customXml" ds:itemID="{3FDB7358-0BCB-4DEB-B717-C1D7CC555F05}">
   <ds:schemaRefs>
     <ds:schemaRef ds:uri="http://schemas.microsoft.com/office/2006/metadata/properties"/>
@@ -8857,6 +9937,14 @@
     <ds:schemaRef ds:uri="http://schemas.microsoft.com/sharepoint/v3"/>
     <ds:schemaRef ds:uri="71af3243-3dd4-4a8d-8c0d-dd76da1f02a5"/>
     <ds:schemaRef ds:uri="230e9df3-be65-4c73-a93b-d1236ebd677e"/>
+  </ds:schemaRefs>
+</ds:datastoreItem>
+</file>
+
+<file path=customXml/itemProps2.xml><?xml version="1.0" encoding="utf-8"?>
+<ds:datastoreItem xmlns:ds="http://schemas.openxmlformats.org/officeDocument/2006/customXml" ds:itemID="{6DE3707C-8CAB-4302-B7E1-D32E1543E05C}">
+  <ds:schemaRefs>
+    <ds:schemaRef ds:uri="http://schemas.microsoft.com/sharepoint/v3/contenttype/forms"/>
   </ds:schemaRefs>
 </ds:datastoreItem>
 </file>
